--- a/slides/String Compare.pptx
+++ b/slides/String Compare.pptx
@@ -251,7 +251,7 @@
               <a:pPr>
                 <a:defRPr/>
               </a:pPr>
-              <a:t>27/8/2014</a:t>
+              <a:t>2/9/2014</a:t>
             </a:fld>
             <a:endParaRPr lang="en-US"/>
           </a:p>
@@ -6553,13 +6553,13 @@
   <p:clrMapOvr>
     <a:masterClrMapping/>
   </p:clrMapOvr>
-  <mc:AlternateContent xmlns:mc="http://schemas.openxmlformats.org/markup-compatibility/2006">
-    <mc:Choice xmlns:p14="http://schemas.microsoft.com/office/powerpoint/2010/main" Requires="p14">
+  <mc:AlternateContent xmlns:mc="http://schemas.openxmlformats.org/markup-compatibility/2006" xmlns:p14="http://schemas.microsoft.com/office/powerpoint/2010/main">
+    <mc:Choice Requires="p14">
       <p:transition p14:dur="100">
         <p:cut/>
       </p:transition>
     </mc:Choice>
-    <mc:Fallback>
+    <mc:Fallback xmlns="">
       <p:transition>
         <p:cut/>
       </p:transition>
@@ -8141,11 +8141,11 @@
   <p:clrMapOvr>
     <a:masterClrMapping/>
   </p:clrMapOvr>
-  <mc:AlternateContent xmlns:mc="http://schemas.openxmlformats.org/markup-compatibility/2006">
-    <mc:Choice xmlns:p14="http://schemas.microsoft.com/office/powerpoint/2010/main" Requires="p14">
+  <mc:AlternateContent xmlns:mc="http://schemas.openxmlformats.org/markup-compatibility/2006" xmlns:p14="http://schemas.microsoft.com/office/powerpoint/2010/main">
+    <mc:Choice Requires="p14">
       <p:transition spd="slow" p14:dur="2000"/>
     </mc:Choice>
-    <mc:Fallback>
+    <mc:Fallback xmlns="">
       <p:transition spd="slow"/>
     </mc:Fallback>
   </mc:AlternateContent>
@@ -8887,11 +8887,11 @@
   <p:clrMapOvr>
     <a:masterClrMapping/>
   </p:clrMapOvr>
-  <mc:AlternateContent xmlns:mc="http://schemas.openxmlformats.org/markup-compatibility/2006">
-    <mc:Choice xmlns:p14="http://schemas.microsoft.com/office/powerpoint/2010/main" Requires="p14">
+  <mc:AlternateContent xmlns:mc="http://schemas.openxmlformats.org/markup-compatibility/2006" xmlns:p14="http://schemas.microsoft.com/office/powerpoint/2010/main">
+    <mc:Choice Requires="p14">
       <p:transition spd="slow" p14:dur="2000"/>
     </mc:Choice>
-    <mc:Fallback>
+    <mc:Fallback xmlns="">
       <p:transition spd="slow"/>
     </mc:Fallback>
   </mc:AlternateContent>
@@ -9115,8 +9115,8 @@
           </a:p>
         </p:txBody>
       </p:sp>
-      <mc:AlternateContent xmlns:mc="http://schemas.openxmlformats.org/markup-compatibility/2006" xmlns:a14="http://schemas.microsoft.com/office/drawing/2010/main">
-        <mc:Choice Requires="a14">
+      <mc:AlternateContent xmlns:mc="http://schemas.openxmlformats.org/markup-compatibility/2006">
+        <mc:Choice xmlns:a14="http://schemas.microsoft.com/office/drawing/2010/main" Requires="a14">
           <p:sp>
             <p:nvSpPr>
               <p:cNvPr id="5" name="Content Placeholder 2"/>
@@ -10588,7 +10588,7 @@
                   </m:oMath>
                 </a14:m>
                 <a:r>
-                  <a:rPr lang="en-GB" sz="2000" b="1" dirty="0">
+                  <a:rPr lang="en-GB" sz="2000" b="1">
                     <a:solidFill>
                       <a:srgbClr val="FFFF00"/>
                     </a:solidFill>
@@ -10603,7 +10603,7 @@
                   <a:t/>
                 </a:r>
                 <a:br>
-                  <a:rPr lang="en-GB" sz="2000" b="1" dirty="0">
+                  <a:rPr lang="en-GB" sz="2000" b="1">
                     <a:solidFill>
                       <a:srgbClr val="FFFF00"/>
                     </a:solidFill>
@@ -10616,6 +10616,18 @@
                     </a:effectLst>
                   </a:rPr>
                 </a:br>
+                <a:r>
+                  <a:rPr lang="en-US" sz="2000" smtClean="0"/>
+                  <a:t>R</a:t>
+                </a:r>
+                <a:r>
+                  <a:rPr lang="vi-VN" sz="2000" smtClean="0"/>
+                  <a:t>eference</a:t>
+                </a:r>
+                <a:r>
+                  <a:rPr lang="en-US" sz="2000"/>
+                  <a:t> : http://www.catalysoft.com/articles/strikeamatch.html</a:t>
+                </a:r>
                 <a:endParaRPr lang="en-GB" sz="2000" b="1" dirty="0">
                   <a:solidFill>
                     <a:srgbClr val="FFFF00"/>
@@ -10632,7 +10644,7 @@
             </p:txBody>
           </p:sp>
         </mc:Choice>
-        <mc:Fallback xmlns="">
+        <mc:Fallback>
           <p:sp>
             <p:nvSpPr>
               <p:cNvPr id="5" name="Content Placeholder 2"/>
@@ -10651,7 +10663,7 @@
               <a:blipFill rotWithShape="1">
                 <a:blip r:embed="rId2"/>
                 <a:stretch>
-                  <a:fillRect l="-697"/>
+                  <a:fillRect l="-697" b="-1260"/>
                 </a:stretch>
               </a:blipFill>
             </p:spPr>
@@ -10880,48 +10892,6 @@
           </a:prstGeom>
         </p:spPr>
       </p:pic>
-      <p:sp>
-        <p:nvSpPr>
-          <p:cNvPr id="10" name="Action Button: Back or Previous 9">
-            <a:hlinkClick r:id="" action="ppaction://noaction" highlightClick="1"/>
-          </p:cNvPr>
-          <p:cNvSpPr/>
-          <p:nvPr/>
-        </p:nvSpPr>
-        <p:spPr>
-          <a:xfrm>
-            <a:off x="7099300" y="6172200"/>
-            <a:ext cx="2057400" cy="685800"/>
-          </a:xfrm>
-          <a:prstGeom prst="actionButtonBackPrevious">
-            <a:avLst/>
-          </a:prstGeom>
-        </p:spPr>
-        <p:style>
-          <a:lnRef idx="2">
-            <a:schemeClr val="accent1">
-              <a:shade val="50000"/>
-            </a:schemeClr>
-          </a:lnRef>
-          <a:fillRef idx="1">
-            <a:schemeClr val="accent1"/>
-          </a:fillRef>
-          <a:effectRef idx="0">
-            <a:schemeClr val="accent1"/>
-          </a:effectRef>
-          <a:fontRef idx="minor">
-            <a:schemeClr val="lt1"/>
-          </a:fontRef>
-        </p:style>
-        <p:txBody>
-          <a:bodyPr rtlCol="0" anchor="ctr"/>
-          <a:lstStyle/>
-          <a:p>
-            <a:pPr algn="ctr"/>
-            <a:endParaRPr lang="en-US"/>
-          </a:p>
-        </p:txBody>
-      </p:sp>
     </p:spTree>
     <p:extLst>
       <p:ext uri="{BB962C8B-B14F-4D97-AF65-F5344CB8AC3E}">
@@ -10932,11 +10902,11 @@
   <p:clrMapOvr>
     <a:masterClrMapping/>
   </p:clrMapOvr>
-  <mc:AlternateContent xmlns:mc="http://schemas.openxmlformats.org/markup-compatibility/2006">
-    <mc:Choice xmlns:p14="http://schemas.microsoft.com/office/powerpoint/2010/main" Requires="p14">
+  <mc:AlternateContent xmlns:mc="http://schemas.openxmlformats.org/markup-compatibility/2006" xmlns:p14="http://schemas.microsoft.com/office/powerpoint/2010/main">
+    <mc:Choice Requires="p14">
       <p:transition spd="slow" p14:dur="2000"/>
     </mc:Choice>
-    <mc:Fallback>
+    <mc:Fallback xmlns="">
       <p:transition spd="slow"/>
     </mc:Fallback>
   </mc:AlternateContent>
